--- a/Cycle_03_Analyser_Modeliser_Cin/Perforateur/Presentation_Perforateur_Eleve.pptx
+++ b/Cycle_03_Analyser_Modeliser_Cin/Perforateur/Presentation_Perforateur_Eleve.pptx
@@ -7,6 +7,9 @@
   <p:notesMasterIdLst>
     <p:notesMasterId r:id="rId23"/>
   </p:notesMasterIdLst>
+  <p:handoutMasterIdLst>
+    <p:handoutMasterId r:id="rId24"/>
+  </p:handoutMasterIdLst>
   <p:sldIdLst>
     <p:sldId id="256" r:id="rId2"/>
     <p:sldId id="262" r:id="rId3"/>
@@ -130,6 +133,171 @@
 </p:presentation>
 </file>
 
+<file path=ppt/handoutMasters/handoutMaster1.xml><?xml version="1.0" encoding="utf-8"?>
+<p:handoutMaster xmlns:a="http://schemas.openxmlformats.org/drawingml/2006/main" xmlns:r="http://schemas.openxmlformats.org/officeDocument/2006/relationships" xmlns:p="http://schemas.openxmlformats.org/presentationml/2006/main">
+  <p:cSld>
+    <p:bg>
+      <p:bgRef idx="1001">
+        <a:schemeClr val="bg1"/>
+      </p:bgRef>
+    </p:bg>
+    <p:spTree>
+      <p:nvGrpSpPr>
+        <p:cNvPr id="1" name=""/>
+        <p:cNvGrpSpPr/>
+        <p:nvPr/>
+      </p:nvGrpSpPr>
+      <p:grpSpPr>
+        <a:xfrm>
+          <a:off x="0" y="0"/>
+          <a:ext cx="0" cy="0"/>
+          <a:chOff x="0" y="0"/>
+          <a:chExt cx="0" cy="0"/>
+        </a:xfrm>
+      </p:grpSpPr>
+      <p:sp>
+        <p:nvSpPr>
+          <p:cNvPr id="2" name="Espace réservé de l'en-tête 1"/>
+          <p:cNvSpPr>
+            <a:spLocks noGrp="1"/>
+          </p:cNvSpPr>
+          <p:nvPr>
+            <p:ph type="hdr" sz="quarter"/>
+          </p:nvPr>
+        </p:nvSpPr>
+        <p:spPr>
+          <a:xfrm>
+            <a:off x="0" y="0"/>
+            <a:ext cx="2971800" cy="457200"/>
+          </a:xfrm>
+          <a:prstGeom prst="rect">
+            <a:avLst/>
+          </a:prstGeom>
+        </p:spPr>
+        <p:txBody>
+          <a:bodyPr vert="horz" lIns="91440" tIns="45720" rIns="91440" bIns="45720" rtlCol="0"/>
+          <a:lstStyle>
+            <a:lvl1pPr algn="l">
+              <a:defRPr sz="1200"/>
+            </a:lvl1pPr>
+          </a:lstStyle>
+          <a:p>
+            <a:endParaRPr lang="fr-FR"/>
+          </a:p>
+        </p:txBody>
+      </p:sp>
+      <p:sp>
+        <p:nvSpPr>
+          <p:cNvPr id="3" name="Espace réservé de la date 2"/>
+          <p:cNvSpPr>
+            <a:spLocks noGrp="1"/>
+          </p:cNvSpPr>
+          <p:nvPr>
+            <p:ph type="dt" sz="quarter" idx="1"/>
+          </p:nvPr>
+        </p:nvSpPr>
+        <p:spPr>
+          <a:xfrm>
+            <a:off x="3884613" y="0"/>
+            <a:ext cx="2971800" cy="457200"/>
+          </a:xfrm>
+          <a:prstGeom prst="rect">
+            <a:avLst/>
+          </a:prstGeom>
+        </p:spPr>
+        <p:txBody>
+          <a:bodyPr vert="horz" lIns="91440" tIns="45720" rIns="91440" bIns="45720" rtlCol="0"/>
+          <a:lstStyle>
+            <a:lvl1pPr algn="r">
+              <a:defRPr sz="1200"/>
+            </a:lvl1pPr>
+          </a:lstStyle>
+          <a:p>
+            <a:fld id="{E8CF75FC-E7C3-4DF4-8DC3-07643F04E891}" type="datetimeFigureOut">
+              <a:rPr lang="fr-FR" smtClean="0"/>
+              <a:t>16/10/2014</a:t>
+            </a:fld>
+            <a:endParaRPr lang="fr-FR"/>
+          </a:p>
+        </p:txBody>
+      </p:sp>
+      <p:sp>
+        <p:nvSpPr>
+          <p:cNvPr id="5" name="Espace réservé du numéro de diapositive 4"/>
+          <p:cNvSpPr>
+            <a:spLocks noGrp="1"/>
+          </p:cNvSpPr>
+          <p:nvPr>
+            <p:ph type="sldNum" sz="quarter" idx="3"/>
+          </p:nvPr>
+        </p:nvSpPr>
+        <p:spPr>
+          <a:xfrm>
+            <a:off x="3884613" y="8685213"/>
+            <a:ext cx="2971800" cy="457200"/>
+          </a:xfrm>
+          <a:prstGeom prst="rect">
+            <a:avLst/>
+          </a:prstGeom>
+        </p:spPr>
+        <p:txBody>
+          <a:bodyPr vert="horz" lIns="91440" tIns="45720" rIns="91440" bIns="45720" rtlCol="0" anchor="b"/>
+          <a:lstStyle>
+            <a:lvl1pPr algn="r">
+              <a:defRPr sz="1200"/>
+            </a:lvl1pPr>
+          </a:lstStyle>
+          <a:p>
+            <a:fld id="{3C3ED51E-0EE7-4E13-8098-022F05F52CBC}" type="slidenum">
+              <a:rPr lang="fr-FR" smtClean="0"/>
+              <a:t>‹N°›</a:t>
+            </a:fld>
+            <a:endParaRPr lang="fr-FR"/>
+          </a:p>
+        </p:txBody>
+      </p:sp>
+      <p:sp>
+        <p:nvSpPr>
+          <p:cNvPr id="6" name="Espace réservé du pied de page 5"/>
+          <p:cNvSpPr>
+            <a:spLocks noGrp="1"/>
+          </p:cNvSpPr>
+          <p:nvPr>
+            <p:ph type="ftr" sz="quarter" idx="2"/>
+          </p:nvPr>
+        </p:nvSpPr>
+        <p:spPr>
+          <a:xfrm>
+            <a:off x="0" y="8685213"/>
+            <a:ext cx="2971800" cy="457200"/>
+          </a:xfrm>
+          <a:prstGeom prst="rect">
+            <a:avLst/>
+          </a:prstGeom>
+        </p:spPr>
+        <p:txBody>
+          <a:bodyPr vert="horz" lIns="91440" tIns="45720" rIns="91440" bIns="45720" rtlCol="0" anchor="b"/>
+          <a:lstStyle>
+            <a:lvl1pPr algn="l">
+              <a:defRPr sz="1200"/>
+            </a:lvl1pPr>
+          </a:lstStyle>
+          <a:p>
+            <a:endParaRPr lang="fr-FR"/>
+          </a:p>
+        </p:txBody>
+      </p:sp>
+    </p:spTree>
+    <p:extLst>
+      <p:ext uri="{BB962C8B-B14F-4D97-AF65-F5344CB8AC3E}">
+        <p14:creationId xmlns:p14="http://schemas.microsoft.com/office/powerpoint/2010/main" val="4223335989"/>
+      </p:ext>
+    </p:extLst>
+  </p:cSld>
+  <p:clrMap bg1="lt1" tx1="dk1" bg2="lt2" tx2="dk2" accent1="accent1" accent2="accent2" accent3="accent3" accent4="accent4" accent5="accent5" accent6="accent6" hlink="hlink" folHlink="folHlink"/>
+</p:handoutMaster>
+</file>
+
 <file path=ppt/notesMasters/notesMaster1.xml><?xml version="1.0" encoding="utf-8"?>
 <p:notesMaster xmlns:a="http://schemas.openxmlformats.org/drawingml/2006/main" xmlns:r="http://schemas.openxmlformats.org/officeDocument/2006/relationships" xmlns:p="http://schemas.openxmlformats.org/presentationml/2006/main">
   <p:cSld>
@@ -213,7 +381,7 @@
             <a:fld id="{E494A05E-DEA9-4CEA-A63B-3593EEF3AC45}" type="datetimeFigureOut">
               <a:rPr lang="fr-FR" smtClean="0"/>
               <a:pPr/>
-              <a:t>14/10/2014</a:t>
+              <a:t>16/10/2014</a:t>
             </a:fld>
             <a:endParaRPr lang="fr-FR"/>
           </a:p>
@@ -382,6 +550,11 @@
         </p:txBody>
       </p:sp>
     </p:spTree>
+    <p:extLst>
+      <p:ext uri="{BB962C8B-B14F-4D97-AF65-F5344CB8AC3E}">
+        <p14:creationId xmlns:p14="http://schemas.microsoft.com/office/powerpoint/2010/main" val="3706523160"/>
+      </p:ext>
+    </p:extLst>
   </p:cSld>
   <p:clrMap bg1="lt1" tx1="dk1" bg2="lt2" tx2="dk2" accent1="accent1" accent2="accent2" accent3="accent3" accent4="accent4" accent5="accent5" accent6="accent6" hlink="hlink" folHlink="folHlink"/>
   <p:notesStyle>
@@ -706,10 +879,9 @@
             </a:lvl1pPr>
           </a:lstStyle>
           <a:p>
-            <a:fld id="{3A961F90-11F6-4966-B0E5-2BB20F714B78}" type="datetime1">
+            <a:fld id="{11FBEEFA-F039-4E7A-AB6C-CB73B516B162}" type="datetime1">
               <a:rPr lang="fr-FR" smtClean="0"/>
-              <a:pPr/>
-              <a:t>14/10/2014</a:t>
+              <a:t>16/10/2014</a:t>
             </a:fld>
             <a:endParaRPr lang="fr-FR"/>
           </a:p>
@@ -727,14 +899,22 @@
         </p:nvSpPr>
         <p:spPr>
           <a:xfrm>
-            <a:off x="2898648" y="6355080"/>
-            <a:ext cx="3474720" cy="365760"/>
+            <a:off x="1187624" y="6355080"/>
+            <a:ext cx="7956376" cy="365760"/>
           </a:xfrm>
         </p:spPr>
         <p:txBody>
           <a:bodyPr/>
-          <a:lstStyle/>
-          <a:p>
+          <a:lstStyle>
+            <a:lvl1pPr algn="ctr">
+              <a:defRPr sz="1200"/>
+            </a:lvl1pPr>
+          </a:lstStyle>
+          <a:p>
+            <a:r>
+              <a:rPr lang="fr-FR" smtClean="0"/>
+              <a:t>Modèles de Xavier PESSOLES &amp; Jean-Pierre PUPIER</a:t>
+            </a:r>
             <a:endParaRPr lang="fr-FR"/>
           </a:p>
         </p:txBody>
@@ -1067,10 +1247,9 @@
           <a:bodyPr/>
           <a:lstStyle/>
           <a:p>
-            <a:fld id="{59700BD1-A4B5-444B-B773-B4FDD97DF200}" type="datetime1">
+            <a:fld id="{19A41FAD-1F7B-43E9-B7D6-9D539796DB42}" type="datetime1">
               <a:rPr lang="fr-FR" smtClean="0"/>
-              <a:pPr/>
-              <a:t>14/10/2014</a:t>
+              <a:t>16/10/2014</a:t>
             </a:fld>
             <a:endParaRPr lang="fr-FR"/>
           </a:p>
@@ -1091,6 +1270,10 @@
           <a:bodyPr/>
           <a:lstStyle/>
           <a:p>
+            <a:r>
+              <a:rPr lang="fr-FR" smtClean="0"/>
+              <a:t>Modèles de Xavier PESSOLES &amp; Jean-Pierre PUPIER</a:t>
+            </a:r>
             <a:endParaRPr lang="fr-FR"/>
           </a:p>
         </p:txBody>
@@ -1244,10 +1427,9 @@
           <a:bodyPr/>
           <a:lstStyle/>
           <a:p>
-            <a:fld id="{A354AF49-C35E-40F6-8345-CA866716EE79}" type="datetime1">
+            <a:fld id="{554C602E-F122-49F0-B0E8-52106486501C}" type="datetime1">
               <a:rPr lang="fr-FR" smtClean="0"/>
-              <a:pPr/>
-              <a:t>14/10/2014</a:t>
+              <a:t>16/10/2014</a:t>
             </a:fld>
             <a:endParaRPr lang="fr-FR"/>
           </a:p>
@@ -1268,6 +1450,10 @@
           <a:bodyPr/>
           <a:lstStyle/>
           <a:p>
+            <a:r>
+              <a:rPr lang="fr-FR" smtClean="0"/>
+              <a:t>Modèles de Xavier PESSOLES &amp; Jean-Pierre PUPIER</a:t>
+            </a:r>
             <a:endParaRPr lang="fr-FR"/>
           </a:p>
         </p:txBody>
@@ -1481,10 +1667,9 @@
           <a:bodyPr/>
           <a:lstStyle/>
           <a:p>
-            <a:fld id="{EAFEF7E1-4A71-4560-AA4D-33BBAAF32357}" type="datetime1">
+            <a:fld id="{5F07F36E-1A48-4C4A-885E-EFFF29D17BA7}" type="datetime1">
               <a:rPr lang="fr-FR" smtClean="0"/>
-              <a:pPr/>
-              <a:t>14/10/2014</a:t>
+              <a:t>16/10/2014</a:t>
             </a:fld>
             <a:endParaRPr lang="fr-FR"/>
           </a:p>
@@ -1505,6 +1690,10 @@
           <a:bodyPr/>
           <a:lstStyle/>
           <a:p>
+            <a:r>
+              <a:rPr lang="fr-FR" smtClean="0"/>
+              <a:t>Modèles de Xavier PESSOLES &amp; Jean-Pierre PUPIER</a:t>
+            </a:r>
             <a:endParaRPr lang="fr-FR"/>
           </a:p>
         </p:txBody>
@@ -1752,10 +1941,9 @@
           <a:bodyPr/>
           <a:lstStyle/>
           <a:p>
-            <a:fld id="{9BE6CECE-C4BA-493A-9F45-8F69D8200EC9}" type="datetime1">
+            <a:fld id="{6A0567B5-2BA4-44EE-AE21-B2E49D129E52}" type="datetime1">
               <a:rPr lang="fr-FR" smtClean="0"/>
-              <a:pPr/>
-              <a:t>14/10/2014</a:t>
+              <a:t>16/10/2014</a:t>
             </a:fld>
             <a:endParaRPr lang="fr-FR"/>
           </a:p>
@@ -1781,6 +1969,10 @@
           <a:bodyPr/>
           <a:lstStyle/>
           <a:p>
+            <a:r>
+              <a:rPr lang="fr-FR" smtClean="0"/>
+              <a:t>Modèles de Xavier PESSOLES &amp; Jean-Pierre PUPIER</a:t>
+            </a:r>
             <a:endParaRPr lang="fr-FR"/>
           </a:p>
         </p:txBody>
@@ -1974,10 +2166,9 @@
           <a:bodyPr/>
           <a:lstStyle/>
           <a:p>
-            <a:fld id="{6B400324-51BB-4021-B482-6C084AB66459}" type="datetime1">
+            <a:fld id="{A86AEFE8-F341-4096-A015-3583DCB903E7}" type="datetime1">
               <a:rPr lang="fr-FR" smtClean="0"/>
-              <a:pPr/>
-              <a:t>14/10/2014</a:t>
+              <a:t>16/10/2014</a:t>
             </a:fld>
             <a:endParaRPr lang="fr-FR"/>
           </a:p>
@@ -1998,6 +2189,10 @@
           <a:bodyPr/>
           <a:lstStyle/>
           <a:p>
+            <a:r>
+              <a:rPr lang="fr-FR" smtClean="0"/>
+              <a:t>Modèles de Xavier PESSOLES &amp; Jean-Pierre PUPIER</a:t>
+            </a:r>
             <a:endParaRPr lang="fr-FR"/>
           </a:p>
         </p:txBody>
@@ -2328,10 +2523,9 @@
           <a:bodyPr/>
           <a:lstStyle/>
           <a:p>
-            <a:fld id="{87C4A39B-E1E0-4B19-A965-1E1097FB3AF3}" type="datetime1">
+            <a:fld id="{BD33B160-EB61-49DF-BDF3-45E42EBECC41}" type="datetime1">
               <a:rPr lang="fr-FR" smtClean="0"/>
-              <a:pPr/>
-              <a:t>14/10/2014</a:t>
+              <a:t>16/10/2014</a:t>
             </a:fld>
             <a:endParaRPr lang="fr-FR"/>
           </a:p>
@@ -2352,6 +2546,10 @@
           <a:bodyPr/>
           <a:lstStyle/>
           <a:p>
+            <a:r>
+              <a:rPr lang="fr-FR" smtClean="0"/>
+              <a:t>Modèles de Xavier PESSOLES &amp; Jean-Pierre PUPIER</a:t>
+            </a:r>
             <a:endParaRPr lang="fr-FR"/>
           </a:p>
         </p:txBody>
@@ -2562,10 +2760,9 @@
           <a:bodyPr/>
           <a:lstStyle/>
           <a:p>
-            <a:fld id="{CEF5A761-699F-4B94-BA43-1E8C0C9C554B}" type="datetime1">
+            <a:fld id="{20A1F6FD-6896-4567-8D62-B14C91C97CC8}" type="datetime1">
               <a:rPr lang="fr-FR" smtClean="0"/>
-              <a:pPr/>
-              <a:t>14/10/2014</a:t>
+              <a:t>16/10/2014</a:t>
             </a:fld>
             <a:endParaRPr lang="fr-FR"/>
           </a:p>
@@ -2586,6 +2783,10 @@
           <a:bodyPr/>
           <a:lstStyle/>
           <a:p>
+            <a:r>
+              <a:rPr lang="fr-FR" smtClean="0"/>
+              <a:t>Modèles de Xavier PESSOLES &amp; Jean-Pierre PUPIER</a:t>
+            </a:r>
             <a:endParaRPr lang="fr-FR"/>
           </a:p>
         </p:txBody>
@@ -2704,10 +2905,9 @@
           <a:bodyPr/>
           <a:lstStyle/>
           <a:p>
-            <a:fld id="{E407DE65-0759-4C9C-9804-8C4C0AC5F8D7}" type="datetime1">
+            <a:fld id="{762C516C-54A3-4FF4-844C-8E897BAA3A61}" type="datetime1">
               <a:rPr lang="fr-FR" smtClean="0"/>
-              <a:pPr/>
-              <a:t>14/10/2014</a:t>
+              <a:t>16/10/2014</a:t>
             </a:fld>
             <a:endParaRPr lang="fr-FR"/>
           </a:p>
@@ -2728,6 +2928,10 @@
           <a:bodyPr/>
           <a:lstStyle/>
           <a:p>
+            <a:r>
+              <a:rPr lang="fr-FR" smtClean="0"/>
+              <a:t>Modèles de Xavier PESSOLES &amp; Jean-Pierre PUPIER</a:t>
+            </a:r>
             <a:endParaRPr lang="fr-FR"/>
           </a:p>
         </p:txBody>
@@ -2983,10 +3187,9 @@
           <a:bodyPr/>
           <a:lstStyle/>
           <a:p>
-            <a:fld id="{6DCAF433-E5EB-4B74-B8BB-3F6D9EEAE800}" type="datetime1">
+            <a:fld id="{85BAC908-C8CE-4774-84EB-9F5F11493F47}" type="datetime1">
               <a:rPr lang="fr-FR" smtClean="0"/>
-              <a:pPr/>
-              <a:t>14/10/2014</a:t>
+              <a:t>16/10/2014</a:t>
             </a:fld>
             <a:endParaRPr lang="fr-FR"/>
           </a:p>
@@ -3007,6 +3210,10 @@
           <a:bodyPr/>
           <a:lstStyle/>
           <a:p>
+            <a:r>
+              <a:rPr lang="fr-FR" smtClean="0"/>
+              <a:t>Modèles de Xavier PESSOLES &amp; Jean-Pierre PUPIER</a:t>
+            </a:r>
             <a:endParaRPr lang="fr-FR"/>
           </a:p>
         </p:txBody>
@@ -3392,10 +3599,9 @@
           <a:bodyPr/>
           <a:lstStyle/>
           <a:p>
-            <a:fld id="{E5AEAC06-18E9-471A-B77A-CDA5C363BF1F}" type="datetime1">
+            <a:fld id="{C8A7FAE7-BE06-4891-A10B-3089602062E0}" type="datetime1">
               <a:rPr lang="fr-FR" smtClean="0"/>
-              <a:pPr/>
-              <a:t>14/10/2014</a:t>
+              <a:t>16/10/2014</a:t>
             </a:fld>
             <a:endParaRPr lang="fr-FR"/>
           </a:p>
@@ -3416,6 +3622,10 @@
           <a:bodyPr/>
           <a:lstStyle/>
           <a:p>
+            <a:r>
+              <a:rPr lang="fr-FR" smtClean="0"/>
+              <a:t>Modèles de Xavier PESSOLES &amp; Jean-Pierre PUPIER</a:t>
+            </a:r>
             <a:endParaRPr lang="fr-FR"/>
           </a:p>
         </p:txBody>
@@ -3732,10 +3942,9 @@
             </a:lvl1pPr>
           </a:lstStyle>
           <a:p>
-            <a:fld id="{B9178431-C703-4FD6-9F6F-E8F5512852E2}" type="datetime1">
+            <a:fld id="{B4FB4D0E-F0A0-4B5C-8D44-2E46353A4BCF}" type="datetime1">
               <a:rPr lang="fr-FR" smtClean="0"/>
-              <a:pPr/>
-              <a:t>14/10/2014</a:t>
+              <a:t>16/10/2014</a:t>
             </a:fld>
             <a:endParaRPr lang="fr-FR"/>
           </a:p>
@@ -3753,8 +3962,8 @@
         </p:nvSpPr>
         <p:spPr>
           <a:xfrm>
-            <a:off x="2898648" y="6356350"/>
-            <a:ext cx="3505200" cy="365760"/>
+            <a:off x="574682" y="6356350"/>
+            <a:ext cx="8112118" cy="365760"/>
           </a:xfrm>
           <a:prstGeom prst="rect">
             <a:avLst/>
@@ -3763,8 +3972,8 @@
         <p:txBody>
           <a:bodyPr vert="horz"/>
           <a:lstStyle>
-            <a:lvl1pPr algn="r" eaLnBrk="1" latinLnBrk="0" hangingPunct="1">
-              <a:defRPr kumimoji="0" sz="1400">
+            <a:lvl1pPr algn="ctr" eaLnBrk="1" latinLnBrk="0" hangingPunct="1">
+              <a:defRPr kumimoji="0" sz="1200">
                 <a:solidFill>
                   <a:schemeClr val="tx2"/>
                 </a:solidFill>
@@ -3772,6 +3981,10 @@
             </a:lvl1pPr>
           </a:lstStyle>
           <a:p>
+            <a:r>
+              <a:rPr lang="fr-FR" smtClean="0"/>
+              <a:t>Modèles de Xavier PESSOLES &amp; Jean-Pierre PUPIER</a:t>
+            </a:r>
             <a:endParaRPr lang="fr-FR"/>
           </a:p>
         </p:txBody>
@@ -3954,7 +4167,7 @@
     <p:sldLayoutId id="2147483694" r:id="rId10"/>
     <p:sldLayoutId id="2147483695" r:id="rId11"/>
   </p:sldLayoutIdLst>
-  <p:hf hdr="0" ftr="0" dt="0"/>
+  <p:hf hdr="0" dt="0"/>
   <p:txStyles>
     <p:titleStyle>
       <a:lvl1pPr algn="l" rtl="0" eaLnBrk="1" latinLnBrk="0" hangingPunct="1">
@@ -4522,12 +4735,108 @@
         </p:xfrm>
         <a:graphic>
           <a:graphicData uri="http://schemas.openxmlformats.org/presentationml/2006/ole">
-            <p:oleObj spid="_x0000_s1026" name="Image bitmap" r:id="rId5" imgW="7497221" imgH="6609524" progId="PBrush">
-              <p:embed/>
-            </p:oleObj>
+            <mc:AlternateContent xmlns:mc="http://schemas.openxmlformats.org/markup-compatibility/2006">
+              <mc:Choice xmlns:v="urn:schemas-microsoft-com:vml" Requires="v">
+                <p:oleObj spid="_x0000_s1028" name="Image bitmap" r:id="rId5" imgW="7497221" imgH="6609524" progId="PBrush">
+                  <p:embed/>
+                </p:oleObj>
+              </mc:Choice>
+              <mc:Fallback>
+                <p:oleObj name="Image bitmap" r:id="rId5" imgW="7497221" imgH="6609524" progId="PBrush">
+                  <p:embed/>
+                  <p:pic>
+                    <p:nvPicPr>
+                      <p:cNvPr id="0" name="Picture 2"/>
+                      <p:cNvPicPr>
+                        <a:picLocks noChangeAspect="1" noChangeArrowheads="1"/>
+                      </p:cNvPicPr>
+                      <p:nvPr/>
+                    </p:nvPicPr>
+                    <p:blipFill>
+                      <a:blip r:embed="rId6">
+                        <a:clrChange>
+                          <a:clrFrom>
+                            <a:srgbClr val="FEFEFE"/>
+                          </a:clrFrom>
+                          <a:clrTo>
+                            <a:srgbClr val="FEFEFE">
+                              <a:alpha val="0"/>
+                            </a:srgbClr>
+                          </a:clrTo>
+                        </a:clrChange>
+                        <a:extLst>
+                          <a:ext uri="{28A0092B-C50C-407E-A947-70E740481C1C}">
+                            <a14:useLocalDpi xmlns:a14="http://schemas.microsoft.com/office/drawing/2010/main" val="0"/>
+                          </a:ext>
+                        </a:extLst>
+                      </a:blip>
+                      <a:srcRect/>
+                      <a:stretch>
+                        <a:fillRect/>
+                      </a:stretch>
+                    </p:blipFill>
+                    <p:spPr bwMode="auto">
+                      <a:xfrm>
+                        <a:off x="4143372" y="1071546"/>
+                        <a:ext cx="1643074" cy="1448522"/>
+                      </a:xfrm>
+                      <a:prstGeom prst="rect">
+                        <a:avLst/>
+                      </a:prstGeom>
+                      <a:noFill/>
+                      <a:ln>
+                        <a:noFill/>
+                      </a:ln>
+                      <a:extLst>
+                        <a:ext uri="{909E8E84-426E-40DD-AFC4-6F175D3DCCD1}">
+                          <a14:hiddenFill xmlns:a14="http://schemas.microsoft.com/office/drawing/2010/main">
+                            <a:solidFill>
+                              <a:schemeClr val="accent1"/>
+                            </a:solidFill>
+                          </a14:hiddenFill>
+                        </a:ext>
+                        <a:ext uri="{91240B29-F687-4F45-9708-019B960494DF}">
+                          <a14:hiddenLine xmlns:a14="http://schemas.microsoft.com/office/drawing/2010/main" w="28575">
+                            <a:solidFill>
+                              <a:srgbClr val="FF8000"/>
+                            </a:solidFill>
+                            <a:miter lim="800000"/>
+                            <a:headEnd/>
+                            <a:tailEnd/>
+                          </a14:hiddenLine>
+                        </a:ext>
+                      </a:extLst>
+                    </p:spPr>
+                  </p:pic>
+                </p:oleObj>
+              </mc:Fallback>
+            </mc:AlternateContent>
           </a:graphicData>
         </a:graphic>
       </p:graphicFrame>
+      <p:sp>
+        <p:nvSpPr>
+          <p:cNvPr id="4" name="Espace réservé du pied de page 3"/>
+          <p:cNvSpPr>
+            <a:spLocks noGrp="1"/>
+          </p:cNvSpPr>
+          <p:nvPr>
+            <p:ph type="ftr" sz="quarter" idx="11"/>
+          </p:nvPr>
+        </p:nvSpPr>
+        <p:spPr/>
+        <p:txBody>
+          <a:bodyPr/>
+          <a:lstStyle/>
+          <a:p>
+            <a:r>
+              <a:rPr lang="fr-FR" smtClean="0"/>
+              <a:t>Modèles de Xavier PESSOLES &amp; Jean-Pierre PUPIER</a:t>
+            </a:r>
+            <a:endParaRPr lang="fr-FR"/>
+          </a:p>
+        </p:txBody>
+      </p:sp>
     </p:spTree>
   </p:cSld>
   <p:clrMapOvr>
@@ -4748,23 +5057,8 @@
                 </a:solidFill>
                 <a:latin typeface="Calibri" pitchFamily="34" charset="0"/>
               </a:rPr>
-              <a:t>Étude des </a:t>
-            </a:r>
-            <a:r>
-              <a:rPr lang="fr-FR" sz="1600" b="1" dirty="0" smtClean="0">
-                <a:solidFill>
-                  <a:schemeClr val="tx2"/>
-                </a:solidFill>
-                <a:latin typeface="Calibri" pitchFamily="34" charset="0"/>
-              </a:rPr>
-              <a:t>composants – Chaines de perçage</a:t>
-            </a:r>
-            <a:endParaRPr lang="fr-FR" sz="1600" b="1" dirty="0" smtClean="0">
-              <a:solidFill>
-                <a:schemeClr val="tx2"/>
-              </a:solidFill>
-              <a:latin typeface="Calibri" pitchFamily="34" charset="0"/>
-            </a:endParaRPr>
+              <a:t>Étude des composants – Chaines de perçage</a:t>
+            </a:r>
           </a:p>
           <a:p>
             <a:pPr lvl="0">
@@ -5415,6 +5709,29 @@
           </a:p>
         </p:txBody>
       </p:sp>
+      <p:sp>
+        <p:nvSpPr>
+          <p:cNvPr id="2" name="Espace réservé du pied de page 1"/>
+          <p:cNvSpPr>
+            <a:spLocks noGrp="1"/>
+          </p:cNvSpPr>
+          <p:nvPr>
+            <p:ph type="ftr" sz="quarter" idx="11"/>
+          </p:nvPr>
+        </p:nvSpPr>
+        <p:spPr/>
+        <p:txBody>
+          <a:bodyPr/>
+          <a:lstStyle/>
+          <a:p>
+            <a:r>
+              <a:rPr lang="fr-FR" smtClean="0"/>
+              <a:t>Modèles de Xavier PESSOLES &amp; Jean-Pierre PUPIER</a:t>
+            </a:r>
+            <a:endParaRPr lang="fr-FR"/>
+          </a:p>
+        </p:txBody>
+      </p:sp>
     </p:spTree>
   </p:cSld>
   <p:clrMapOvr>
@@ -5556,23 +5873,8 @@
                 </a:solidFill>
                 <a:latin typeface="Calibri" pitchFamily="34" charset="0"/>
               </a:rPr>
-              <a:t>Étude des </a:t>
-            </a:r>
-            <a:r>
-              <a:rPr lang="fr-FR" sz="1600" b="1" dirty="0" smtClean="0">
-                <a:solidFill>
-                  <a:schemeClr val="tx2"/>
-                </a:solidFill>
-                <a:latin typeface="Calibri" pitchFamily="34" charset="0"/>
-              </a:rPr>
-              <a:t>composants – Chaines de perçage</a:t>
-            </a:r>
-            <a:endParaRPr lang="fr-FR" sz="1600" b="1" dirty="0" smtClean="0">
-              <a:solidFill>
-                <a:schemeClr val="tx2"/>
-              </a:solidFill>
-              <a:latin typeface="Calibri" pitchFamily="34" charset="0"/>
-            </a:endParaRPr>
+              <a:t>Étude des composants – Chaines de perçage</a:t>
+            </a:r>
           </a:p>
           <a:p>
             <a:pPr lvl="0">
@@ -6223,6 +6525,29 @@
           </a:p>
         </p:txBody>
       </p:sp>
+      <p:sp>
+        <p:nvSpPr>
+          <p:cNvPr id="2" name="Espace réservé du pied de page 1"/>
+          <p:cNvSpPr>
+            <a:spLocks noGrp="1"/>
+          </p:cNvSpPr>
+          <p:nvPr>
+            <p:ph type="ftr" sz="quarter" idx="11"/>
+          </p:nvPr>
+        </p:nvSpPr>
+        <p:spPr/>
+        <p:txBody>
+          <a:bodyPr/>
+          <a:lstStyle/>
+          <a:p>
+            <a:r>
+              <a:rPr lang="fr-FR" smtClean="0"/>
+              <a:t>Modèles de Xavier PESSOLES &amp; Jean-Pierre PUPIER</a:t>
+            </a:r>
+            <a:endParaRPr lang="fr-FR"/>
+          </a:p>
+        </p:txBody>
+      </p:sp>
     </p:spTree>
   </p:cSld>
   <p:clrMapOvr>
@@ -7016,6 +7341,29 @@
           </a:p>
         </p:txBody>
       </p:sp>
+      <p:sp>
+        <p:nvSpPr>
+          <p:cNvPr id="2" name="Espace réservé du pied de page 1"/>
+          <p:cNvSpPr>
+            <a:spLocks noGrp="1"/>
+          </p:cNvSpPr>
+          <p:nvPr>
+            <p:ph type="ftr" sz="quarter" idx="11"/>
+          </p:nvPr>
+        </p:nvSpPr>
+        <p:spPr/>
+        <p:txBody>
+          <a:bodyPr/>
+          <a:lstStyle/>
+          <a:p>
+            <a:r>
+              <a:rPr lang="fr-FR" smtClean="0"/>
+              <a:t>Modèles de Xavier PESSOLES &amp; Jean-Pierre PUPIER</a:t>
+            </a:r>
+            <a:endParaRPr lang="fr-FR"/>
+          </a:p>
+        </p:txBody>
+      </p:sp>
     </p:spTree>
   </p:cSld>
   <p:clrMapOvr>
@@ -7809,6 +8157,29 @@
           </a:p>
         </p:txBody>
       </p:sp>
+      <p:sp>
+        <p:nvSpPr>
+          <p:cNvPr id="2" name="Espace réservé du pied de page 1"/>
+          <p:cNvSpPr>
+            <a:spLocks noGrp="1"/>
+          </p:cNvSpPr>
+          <p:nvPr>
+            <p:ph type="ftr" sz="quarter" idx="11"/>
+          </p:nvPr>
+        </p:nvSpPr>
+        <p:spPr/>
+        <p:txBody>
+          <a:bodyPr/>
+          <a:lstStyle/>
+          <a:p>
+            <a:r>
+              <a:rPr lang="fr-FR" smtClean="0"/>
+              <a:t>Modèles de Xavier PESSOLES &amp; Jean-Pierre PUPIER</a:t>
+            </a:r>
+            <a:endParaRPr lang="fr-FR"/>
+          </a:p>
+        </p:txBody>
+      </p:sp>
     </p:spTree>
   </p:cSld>
   <p:clrMapOvr>
@@ -8602,6 +8973,29 @@
           </a:p>
         </p:txBody>
       </p:sp>
+      <p:sp>
+        <p:nvSpPr>
+          <p:cNvPr id="2" name="Espace réservé du pied de page 1"/>
+          <p:cNvSpPr>
+            <a:spLocks noGrp="1"/>
+          </p:cNvSpPr>
+          <p:nvPr>
+            <p:ph type="ftr" sz="quarter" idx="11"/>
+          </p:nvPr>
+        </p:nvSpPr>
+        <p:spPr/>
+        <p:txBody>
+          <a:bodyPr/>
+          <a:lstStyle/>
+          <a:p>
+            <a:r>
+              <a:rPr lang="fr-FR" smtClean="0"/>
+              <a:t>Modèles de Xavier PESSOLES &amp; Jean-Pierre PUPIER</a:t>
+            </a:r>
+            <a:endParaRPr lang="fr-FR"/>
+          </a:p>
+        </p:txBody>
+      </p:sp>
     </p:spTree>
   </p:cSld>
   <p:clrMapOvr>
@@ -9395,6 +9789,29 @@
           </a:p>
         </p:txBody>
       </p:sp>
+      <p:sp>
+        <p:nvSpPr>
+          <p:cNvPr id="2" name="Espace réservé du pied de page 1"/>
+          <p:cNvSpPr>
+            <a:spLocks noGrp="1"/>
+          </p:cNvSpPr>
+          <p:nvPr>
+            <p:ph type="ftr" sz="quarter" idx="11"/>
+          </p:nvPr>
+        </p:nvSpPr>
+        <p:spPr/>
+        <p:txBody>
+          <a:bodyPr/>
+          <a:lstStyle/>
+          <a:p>
+            <a:r>
+              <a:rPr lang="fr-FR" smtClean="0"/>
+              <a:t>Modèles de Xavier PESSOLES &amp; Jean-Pierre PUPIER</a:t>
+            </a:r>
+            <a:endParaRPr lang="fr-FR"/>
+          </a:p>
+        </p:txBody>
+      </p:sp>
     </p:spTree>
   </p:cSld>
   <p:clrMapOvr>
@@ -9724,6 +10141,29 @@
           </a:p>
         </p:txBody>
       </p:sp>
+      <p:sp>
+        <p:nvSpPr>
+          <p:cNvPr id="2" name="Espace réservé du pied de page 1"/>
+          <p:cNvSpPr>
+            <a:spLocks noGrp="1"/>
+          </p:cNvSpPr>
+          <p:nvPr>
+            <p:ph type="ftr" sz="quarter" idx="11"/>
+          </p:nvPr>
+        </p:nvSpPr>
+        <p:spPr/>
+        <p:txBody>
+          <a:bodyPr/>
+          <a:lstStyle/>
+          <a:p>
+            <a:r>
+              <a:rPr lang="fr-FR" smtClean="0"/>
+              <a:t>Modèles de Xavier PESSOLES &amp; Jean-Pierre PUPIER</a:t>
+            </a:r>
+            <a:endParaRPr lang="fr-FR"/>
+          </a:p>
+        </p:txBody>
+      </p:sp>
     </p:spTree>
   </p:cSld>
   <p:clrMapOvr>
@@ -10083,6 +10523,29 @@
           </a:p>
         </p:txBody>
       </p:sp>
+      <p:sp>
+        <p:nvSpPr>
+          <p:cNvPr id="2" name="Espace réservé du pied de page 1"/>
+          <p:cNvSpPr>
+            <a:spLocks noGrp="1"/>
+          </p:cNvSpPr>
+          <p:nvPr>
+            <p:ph type="ftr" sz="quarter" idx="11"/>
+          </p:nvPr>
+        </p:nvSpPr>
+        <p:spPr/>
+        <p:txBody>
+          <a:bodyPr/>
+          <a:lstStyle/>
+          <a:p>
+            <a:r>
+              <a:rPr lang="fr-FR" smtClean="0"/>
+              <a:t>Modèles de Xavier PESSOLES &amp; Jean-Pierre PUPIER</a:t>
+            </a:r>
+            <a:endParaRPr lang="fr-FR"/>
+          </a:p>
+        </p:txBody>
+      </p:sp>
     </p:spTree>
   </p:cSld>
   <p:clrMapOvr>
@@ -10442,6 +10905,29 @@
           </a:p>
         </p:txBody>
       </p:sp>
+      <p:sp>
+        <p:nvSpPr>
+          <p:cNvPr id="2" name="Espace réservé du pied de page 1"/>
+          <p:cNvSpPr>
+            <a:spLocks noGrp="1"/>
+          </p:cNvSpPr>
+          <p:nvPr>
+            <p:ph type="ftr" sz="quarter" idx="11"/>
+          </p:nvPr>
+        </p:nvSpPr>
+        <p:spPr/>
+        <p:txBody>
+          <a:bodyPr/>
+          <a:lstStyle/>
+          <a:p>
+            <a:r>
+              <a:rPr lang="fr-FR" smtClean="0"/>
+              <a:t>Modèles de Xavier PESSOLES &amp; Jean-Pierre PUPIER</a:t>
+            </a:r>
+            <a:endParaRPr lang="fr-FR"/>
+          </a:p>
+        </p:txBody>
+      </p:sp>
     </p:spTree>
   </p:cSld>
   <p:clrMapOvr>
@@ -10540,6 +11026,29 @@
           </a:p>
         </p:txBody>
       </p:sp>
+      <p:sp>
+        <p:nvSpPr>
+          <p:cNvPr id="2" name="Espace réservé du pied de page 1"/>
+          <p:cNvSpPr>
+            <a:spLocks noGrp="1"/>
+          </p:cNvSpPr>
+          <p:nvPr>
+            <p:ph type="ftr" sz="quarter" idx="11"/>
+          </p:nvPr>
+        </p:nvSpPr>
+        <p:spPr/>
+        <p:txBody>
+          <a:bodyPr/>
+          <a:lstStyle/>
+          <a:p>
+            <a:r>
+              <a:rPr lang="fr-FR" smtClean="0"/>
+              <a:t>Modèles de Xavier PESSOLES &amp; Jean-Pierre PUPIER</a:t>
+            </a:r>
+            <a:endParaRPr lang="fr-FR"/>
+          </a:p>
+        </p:txBody>
+      </p:sp>
     </p:spTree>
   </p:cSld>
   <p:clrMapOvr>
@@ -10638,6 +11147,29 @@
           </a:p>
         </p:txBody>
       </p:sp>
+      <p:sp>
+        <p:nvSpPr>
+          <p:cNvPr id="2" name="Espace réservé du pied de page 1"/>
+          <p:cNvSpPr>
+            <a:spLocks noGrp="1"/>
+          </p:cNvSpPr>
+          <p:nvPr>
+            <p:ph type="ftr" sz="quarter" idx="11"/>
+          </p:nvPr>
+        </p:nvSpPr>
+        <p:spPr/>
+        <p:txBody>
+          <a:bodyPr/>
+          <a:lstStyle/>
+          <a:p>
+            <a:r>
+              <a:rPr lang="fr-FR" smtClean="0"/>
+              <a:t>Modèles de Xavier PESSOLES &amp; Jean-Pierre PUPIER</a:t>
+            </a:r>
+            <a:endParaRPr lang="fr-FR"/>
+          </a:p>
+        </p:txBody>
+      </p:sp>
     </p:spTree>
   </p:cSld>
   <p:clrMapOvr>
@@ -10879,6 +11411,29 @@
           </a:p>
         </p:txBody>
       </p:sp>
+      <p:sp>
+        <p:nvSpPr>
+          <p:cNvPr id="2" name="Espace réservé du pied de page 1"/>
+          <p:cNvSpPr>
+            <a:spLocks noGrp="1"/>
+          </p:cNvSpPr>
+          <p:nvPr>
+            <p:ph type="ftr" sz="quarter" idx="11"/>
+          </p:nvPr>
+        </p:nvSpPr>
+        <p:spPr/>
+        <p:txBody>
+          <a:bodyPr/>
+          <a:lstStyle/>
+          <a:p>
+            <a:r>
+              <a:rPr lang="fr-FR" smtClean="0"/>
+              <a:t>Modèles de Xavier PESSOLES &amp; Jean-Pierre PUPIER</a:t>
+            </a:r>
+            <a:endParaRPr lang="fr-FR"/>
+          </a:p>
+        </p:txBody>
+      </p:sp>
     </p:spTree>
   </p:cSld>
   <p:clrMapOvr>
@@ -11087,7 +11642,7 @@
             <a:blip r:embed="rId2" cstate="print">
               <a:extLst>
                 <a:ext uri="{28A0092B-C50C-407E-A947-70E740481C1C}">
-                  <a14:useLocalDpi xmlns:a14="http://schemas.microsoft.com/office/drawing/2010/main" xmlns="" val="0"/>
+                  <a14:useLocalDpi xmlns:a14="http://schemas.microsoft.com/office/drawing/2010/main" val="0"/>
                 </a:ext>
               </a:extLst>
             </a:blip>
@@ -11111,14 +11666,14 @@
             <a:effectLst/>
             <a:extLst>
               <a:ext uri="{909E8E84-426E-40DD-AFC4-6F175D3DCCD1}">
-                <a14:hiddenFill xmlns:a14="http://schemas.microsoft.com/office/drawing/2010/main" xmlns="">
+                <a14:hiddenFill xmlns:a14="http://schemas.microsoft.com/office/drawing/2010/main">
                   <a:solidFill>
                     <a:schemeClr val="accent1"/>
                   </a:solidFill>
                 </a14:hiddenFill>
               </a:ext>
               <a:ext uri="{91240B29-F687-4F45-9708-019B960494DF}">
-                <a14:hiddenLine xmlns:a14="http://schemas.microsoft.com/office/drawing/2010/main" xmlns="" w="9525">
+                <a14:hiddenLine xmlns:a14="http://schemas.microsoft.com/office/drawing/2010/main" w="9525">
                   <a:solidFill>
                     <a:schemeClr val="tx1"/>
                   </a:solidFill>
@@ -11128,7 +11683,7 @@
                 </a14:hiddenLine>
               </a:ext>
               <a:ext uri="{AF507438-7753-43E0-B8FC-AC1667EBCBE1}">
-                <a14:hiddenEffects xmlns:a14="http://schemas.microsoft.com/office/drawing/2010/main" xmlns="">
+                <a14:hiddenEffects xmlns:a14="http://schemas.microsoft.com/office/drawing/2010/main">
                   <a:effectLst>
                     <a:outerShdw dist="35921" dir="2700000" algn="ctr" rotWithShape="0">
                       <a:schemeClr val="bg2"/>
@@ -11151,7 +11706,7 @@
             <a:blip r:embed="rId3" cstate="print">
               <a:extLst>
                 <a:ext uri="{28A0092B-C50C-407E-A947-70E740481C1C}">
-                  <a14:useLocalDpi xmlns:a14="http://schemas.microsoft.com/office/drawing/2010/main" xmlns="" val="0"/>
+                  <a14:useLocalDpi xmlns:a14="http://schemas.microsoft.com/office/drawing/2010/main" val="0"/>
                 </a:ext>
               </a:extLst>
             </a:blip>
@@ -11197,7 +11752,7 @@
             </a:sp3d>
             <a:extLst>
               <a:ext uri="{909E8E84-426E-40DD-AFC4-6F175D3DCCD1}">
-                <a14:hiddenFill xmlns:a14="http://schemas.microsoft.com/office/drawing/2010/main" xmlns="">
+                <a14:hiddenFill xmlns:a14="http://schemas.microsoft.com/office/drawing/2010/main">
                   <a:solidFill>
                     <a:schemeClr val="accent1"/>
                   </a:solidFill>
@@ -11218,7 +11773,7 @@
             <a:blip r:embed="rId4">
               <a:extLst>
                 <a:ext uri="{28A0092B-C50C-407E-A947-70E740481C1C}">
-                  <a14:useLocalDpi xmlns:a14="http://schemas.microsoft.com/office/drawing/2010/main" xmlns="" val="0"/>
+                  <a14:useLocalDpi xmlns:a14="http://schemas.microsoft.com/office/drawing/2010/main" val="0"/>
                 </a:ext>
               </a:extLst>
             </a:blip>
@@ -11240,14 +11795,14 @@
             <a:effectLst/>
             <a:extLst>
               <a:ext uri="{909E8E84-426E-40DD-AFC4-6F175D3DCCD1}">
-                <a14:hiddenFill xmlns:a14="http://schemas.microsoft.com/office/drawing/2010/main" xmlns="">
+                <a14:hiddenFill xmlns:a14="http://schemas.microsoft.com/office/drawing/2010/main">
                   <a:solidFill>
                     <a:schemeClr val="accent1"/>
                   </a:solidFill>
                 </a14:hiddenFill>
               </a:ext>
               <a:ext uri="{91240B29-F687-4F45-9708-019B960494DF}">
-                <a14:hiddenLine xmlns:a14="http://schemas.microsoft.com/office/drawing/2010/main" xmlns="" w="9525">
+                <a14:hiddenLine xmlns:a14="http://schemas.microsoft.com/office/drawing/2010/main" w="9525">
                   <a:solidFill>
                     <a:schemeClr val="tx1"/>
                   </a:solidFill>
@@ -11257,7 +11812,7 @@
                 </a14:hiddenLine>
               </a:ext>
               <a:ext uri="{AF507438-7753-43E0-B8FC-AC1667EBCBE1}">
-                <a14:hiddenEffects xmlns:a14="http://schemas.microsoft.com/office/drawing/2010/main" xmlns="">
+                <a14:hiddenEffects xmlns:a14="http://schemas.microsoft.com/office/drawing/2010/main">
                   <a:effectLst>
                     <a:outerShdw dist="35921" dir="2700000" algn="ctr" rotWithShape="0">
                       <a:schemeClr val="bg2"/>
@@ -11280,7 +11835,7 @@
             <a:blip r:embed="rId5" cstate="print">
               <a:extLst>
                 <a:ext uri="{28A0092B-C50C-407E-A947-70E740481C1C}">
-                  <a14:useLocalDpi xmlns:a14="http://schemas.microsoft.com/office/drawing/2010/main" xmlns="" val="0"/>
+                  <a14:useLocalDpi xmlns:a14="http://schemas.microsoft.com/office/drawing/2010/main" val="0"/>
                 </a:ext>
               </a:extLst>
             </a:blip>
@@ -11304,14 +11859,14 @@
             <a:effectLst/>
             <a:extLst>
               <a:ext uri="{909E8E84-426E-40DD-AFC4-6F175D3DCCD1}">
-                <a14:hiddenFill xmlns:a14="http://schemas.microsoft.com/office/drawing/2010/main" xmlns="">
+                <a14:hiddenFill xmlns:a14="http://schemas.microsoft.com/office/drawing/2010/main">
                   <a:solidFill>
                     <a:schemeClr val="accent1"/>
                   </a:solidFill>
                 </a14:hiddenFill>
               </a:ext>
               <a:ext uri="{91240B29-F687-4F45-9708-019B960494DF}">
-                <a14:hiddenLine xmlns:a14="http://schemas.microsoft.com/office/drawing/2010/main" xmlns="" w="9525">
+                <a14:hiddenLine xmlns:a14="http://schemas.microsoft.com/office/drawing/2010/main" w="9525">
                   <a:solidFill>
                     <a:schemeClr val="tx1"/>
                   </a:solidFill>
@@ -11321,7 +11876,7 @@
                 </a14:hiddenLine>
               </a:ext>
               <a:ext uri="{AF507438-7753-43E0-B8FC-AC1667EBCBE1}">
-                <a14:hiddenEffects xmlns:a14="http://schemas.microsoft.com/office/drawing/2010/main" xmlns="">
+                <a14:hiddenEffects xmlns:a14="http://schemas.microsoft.com/office/drawing/2010/main">
                   <a:effectLst>
                     <a:outerShdw dist="35921" dir="2700000" algn="ctr" rotWithShape="0">
                       <a:schemeClr val="bg2"/>
@@ -11930,6 +12485,29 @@
           </a:p>
         </p:txBody>
       </p:sp>
+      <p:sp>
+        <p:nvSpPr>
+          <p:cNvPr id="4" name="Espace réservé du pied de page 3"/>
+          <p:cNvSpPr>
+            <a:spLocks noGrp="1"/>
+          </p:cNvSpPr>
+          <p:nvPr>
+            <p:ph type="ftr" sz="quarter" idx="11"/>
+          </p:nvPr>
+        </p:nvSpPr>
+        <p:spPr/>
+        <p:txBody>
+          <a:bodyPr/>
+          <a:lstStyle/>
+          <a:p>
+            <a:r>
+              <a:rPr lang="fr-FR" smtClean="0"/>
+              <a:t>Modèles de Xavier PESSOLES &amp; Jean-Pierre PUPIER</a:t>
+            </a:r>
+            <a:endParaRPr lang="fr-FR"/>
+          </a:p>
+        </p:txBody>
+      </p:sp>
     </p:spTree>
   </p:cSld>
   <p:clrMapOvr>
@@ -12348,6 +12926,67 @@
           </a:p>
         </p:txBody>
       </p:sp>
+      <p:sp>
+        <p:nvSpPr>
+          <p:cNvPr id="8" name="ZoneTexte 7"/>
+          <p:cNvSpPr txBox="1"/>
+          <p:nvPr/>
+        </p:nvSpPr>
+        <p:spPr>
+          <a:xfrm>
+            <a:off x="571472" y="1928802"/>
+            <a:ext cx="7929618" cy="646331"/>
+          </a:xfrm>
+          <a:prstGeom prst="rect">
+            <a:avLst/>
+          </a:prstGeom>
+          <a:noFill/>
+        </p:spPr>
+        <p:txBody>
+          <a:bodyPr wrap="square" rtlCol="0">
+            <a:spAutoFit/>
+          </a:bodyPr>
+          <a:lstStyle/>
+          <a:p>
+            <a:r>
+              <a:rPr lang="fr-FR" b="1" smtClean="0">
+                <a:solidFill>
+                  <a:srgbClr val="FF0000"/>
+                </a:solidFill>
+              </a:rPr>
+              <a:t>A FAIRE : ESSAYER LE PERFORATEUR DANS LES 4 COMBINAISONS RENDUES POSSIBLES PAR LES BOUTONS</a:t>
+            </a:r>
+            <a:endParaRPr lang="fr-FR" b="1" dirty="0" smtClean="0">
+              <a:solidFill>
+                <a:srgbClr val="FF0000"/>
+              </a:solidFill>
+            </a:endParaRPr>
+          </a:p>
+        </p:txBody>
+      </p:sp>
+      <p:sp>
+        <p:nvSpPr>
+          <p:cNvPr id="4" name="Espace réservé du pied de page 3"/>
+          <p:cNvSpPr>
+            <a:spLocks noGrp="1"/>
+          </p:cNvSpPr>
+          <p:nvPr>
+            <p:ph type="ftr" sz="quarter" idx="11"/>
+          </p:nvPr>
+        </p:nvSpPr>
+        <p:spPr/>
+        <p:txBody>
+          <a:bodyPr/>
+          <a:lstStyle/>
+          <a:p>
+            <a:r>
+              <a:rPr lang="fr-FR" smtClean="0"/>
+              <a:t>Modèles de Xavier PESSOLES &amp; Jean-Pierre PUPIER</a:t>
+            </a:r>
+            <a:endParaRPr lang="fr-FR"/>
+          </a:p>
+        </p:txBody>
+      </p:sp>
     </p:spTree>
   </p:cSld>
   <p:clrMapOvr>
@@ -12686,6 +13325,29 @@
           </a:p>
         </p:txBody>
       </p:sp>
+      <p:sp>
+        <p:nvSpPr>
+          <p:cNvPr id="2" name="Espace réservé du pied de page 1"/>
+          <p:cNvSpPr>
+            <a:spLocks noGrp="1"/>
+          </p:cNvSpPr>
+          <p:nvPr>
+            <p:ph type="ftr" sz="quarter" idx="11"/>
+          </p:nvPr>
+        </p:nvSpPr>
+        <p:spPr/>
+        <p:txBody>
+          <a:bodyPr/>
+          <a:lstStyle/>
+          <a:p>
+            <a:r>
+              <a:rPr lang="fr-FR" smtClean="0"/>
+              <a:t>Modèles de Xavier PESSOLES &amp; Jean-Pierre PUPIER</a:t>
+            </a:r>
+            <a:endParaRPr lang="fr-FR"/>
+          </a:p>
+        </p:txBody>
+      </p:sp>
     </p:spTree>
   </p:cSld>
   <p:clrMapOvr>
@@ -13032,6 +13694,29 @@
           </a:p>
         </p:txBody>
       </p:sp>
+      <p:sp>
+        <p:nvSpPr>
+          <p:cNvPr id="2" name="Espace réservé du pied de page 1"/>
+          <p:cNvSpPr>
+            <a:spLocks noGrp="1"/>
+          </p:cNvSpPr>
+          <p:nvPr>
+            <p:ph type="ftr" sz="quarter" idx="11"/>
+          </p:nvPr>
+        </p:nvSpPr>
+        <p:spPr/>
+        <p:txBody>
+          <a:bodyPr/>
+          <a:lstStyle/>
+          <a:p>
+            <a:r>
+              <a:rPr lang="fr-FR" smtClean="0"/>
+              <a:t>Modèles de Xavier PESSOLES &amp; Jean-Pierre PUPIER</a:t>
+            </a:r>
+            <a:endParaRPr lang="fr-FR"/>
+          </a:p>
+        </p:txBody>
+      </p:sp>
     </p:spTree>
   </p:cSld>
   <p:clrMapOvr>
@@ -13339,6 +14024,29 @@
           </a:p>
         </p:txBody>
       </p:sp>
+      <p:sp>
+        <p:nvSpPr>
+          <p:cNvPr id="2" name="Espace réservé du pied de page 1"/>
+          <p:cNvSpPr>
+            <a:spLocks noGrp="1"/>
+          </p:cNvSpPr>
+          <p:nvPr>
+            <p:ph type="ftr" sz="quarter" idx="11"/>
+          </p:nvPr>
+        </p:nvSpPr>
+        <p:spPr/>
+        <p:txBody>
+          <a:bodyPr/>
+          <a:lstStyle/>
+          <a:p>
+            <a:r>
+              <a:rPr lang="fr-FR" smtClean="0"/>
+              <a:t>Modèles de Xavier PESSOLES &amp; Jean-Pierre PUPIER</a:t>
+            </a:r>
+            <a:endParaRPr lang="fr-FR"/>
+          </a:p>
+        </p:txBody>
+      </p:sp>
     </p:spTree>
   </p:cSld>
   <p:clrMapOvr>
@@ -13437,6 +14145,29 @@
           </a:p>
         </p:txBody>
       </p:sp>
+      <p:sp>
+        <p:nvSpPr>
+          <p:cNvPr id="2" name="Espace réservé du pied de page 1"/>
+          <p:cNvSpPr>
+            <a:spLocks noGrp="1"/>
+          </p:cNvSpPr>
+          <p:nvPr>
+            <p:ph type="ftr" sz="quarter" idx="11"/>
+          </p:nvPr>
+        </p:nvSpPr>
+        <p:spPr/>
+        <p:txBody>
+          <a:bodyPr/>
+          <a:lstStyle/>
+          <a:p>
+            <a:r>
+              <a:rPr lang="fr-FR" smtClean="0"/>
+              <a:t>Modèles de Xavier PESSOLES &amp; Jean-Pierre PUPIER</a:t>
+            </a:r>
+            <a:endParaRPr lang="fr-FR"/>
+          </a:p>
+        </p:txBody>
+      </p:sp>
     </p:spTree>
   </p:cSld>
   <p:clrMapOvr>
@@ -13695,23 +14426,7 @@
                   <a:srgbClr val="FF0000"/>
                 </a:solidFill>
               </a:rPr>
-              <a:t>Entourer </a:t>
-            </a:r>
-            <a:r>
-              <a:rPr lang="fr-FR" b="1" dirty="0" smtClean="0">
-                <a:solidFill>
-                  <a:srgbClr val="FF0000"/>
-                </a:solidFill>
-              </a:rPr>
-              <a:t>les zones étudiées juste </a:t>
-            </a:r>
-            <a:r>
-              <a:rPr lang="fr-FR" b="1" dirty="0" smtClean="0">
-                <a:solidFill>
-                  <a:srgbClr val="FF0000"/>
-                </a:solidFill>
-              </a:rPr>
-              <a:t>après</a:t>
+              <a:t>Entourer les zones étudiées juste après</a:t>
             </a:r>
           </a:p>
           <a:p>
@@ -13763,6 +14478,29 @@
               <a:t>Conclusion</a:t>
             </a:r>
             <a:endParaRPr lang="fr-FR" dirty="0"/>
+          </a:p>
+        </p:txBody>
+      </p:sp>
+      <p:sp>
+        <p:nvSpPr>
+          <p:cNvPr id="2" name="Espace réservé du pied de page 1"/>
+          <p:cNvSpPr>
+            <a:spLocks noGrp="1"/>
+          </p:cNvSpPr>
+          <p:nvPr>
+            <p:ph type="ftr" sz="quarter" idx="11"/>
+          </p:nvPr>
+        </p:nvSpPr>
+        <p:spPr/>
+        <p:txBody>
+          <a:bodyPr/>
+          <a:lstStyle/>
+          <a:p>
+            <a:r>
+              <a:rPr lang="fr-FR" smtClean="0"/>
+              <a:t>Modèles de Xavier PESSOLES &amp; Jean-Pierre PUPIER</a:t>
+            </a:r>
+            <a:endParaRPr lang="fr-FR"/>
           </a:p>
         </p:txBody>
       </p:sp>
@@ -15048,6 +15786,29 @@
           <a:noFill/>
         </p:spPr>
       </p:pic>
+      <p:sp>
+        <p:nvSpPr>
+          <p:cNvPr id="2" name="Espace réservé du pied de page 1"/>
+          <p:cNvSpPr>
+            <a:spLocks noGrp="1"/>
+          </p:cNvSpPr>
+          <p:nvPr>
+            <p:ph type="ftr" sz="quarter" idx="11"/>
+          </p:nvPr>
+        </p:nvSpPr>
+        <p:spPr/>
+        <p:txBody>
+          <a:bodyPr/>
+          <a:lstStyle/>
+          <a:p>
+            <a:r>
+              <a:rPr lang="fr-FR" smtClean="0"/>
+              <a:t>Modèles de Xavier PESSOLES &amp; Jean-Pierre PUPIER</a:t>
+            </a:r>
+            <a:endParaRPr lang="fr-FR"/>
+          </a:p>
+        </p:txBody>
+      </p:sp>
     </p:spTree>
   </p:cSld>
   <p:clrMapOvr>
@@ -15676,4 +16437,289 @@
   <a:objectDefaults/>
   <a:extraClrSchemeLst/>
 </a:theme>
+</file>
+
+<file path=ppt/theme/theme3.xml><?xml version="1.0" encoding="utf-8"?>
+<a:theme xmlns:a="http://schemas.openxmlformats.org/drawingml/2006/main" name="Thème Office">
+  <a:themeElements>
+    <a:clrScheme name="Office">
+      <a:dk1>
+        <a:sysClr val="windowText" lastClr="000000"/>
+      </a:dk1>
+      <a:lt1>
+        <a:sysClr val="window" lastClr="FFFFFF"/>
+      </a:lt1>
+      <a:dk2>
+        <a:srgbClr val="1F497D"/>
+      </a:dk2>
+      <a:lt2>
+        <a:srgbClr val="EEECE1"/>
+      </a:lt2>
+      <a:accent1>
+        <a:srgbClr val="4F81BD"/>
+      </a:accent1>
+      <a:accent2>
+        <a:srgbClr val="C0504D"/>
+      </a:accent2>
+      <a:accent3>
+        <a:srgbClr val="9BBB59"/>
+      </a:accent3>
+      <a:accent4>
+        <a:srgbClr val="8064A2"/>
+      </a:accent4>
+      <a:accent5>
+        <a:srgbClr val="4BACC6"/>
+      </a:accent5>
+      <a:accent6>
+        <a:srgbClr val="F79646"/>
+      </a:accent6>
+      <a:hlink>
+        <a:srgbClr val="0000FF"/>
+      </a:hlink>
+      <a:folHlink>
+        <a:srgbClr val="800080"/>
+      </a:folHlink>
+    </a:clrScheme>
+    <a:fontScheme name="Office">
+      <a:majorFont>
+        <a:latin typeface="Calibri"/>
+        <a:ea typeface=""/>
+        <a:cs typeface=""/>
+        <a:font script="Jpan" typeface="ＭＳ Ｐゴシック"/>
+        <a:font script="Hang" typeface="맑은 고딕"/>
+        <a:font script="Hans" typeface="宋体"/>
+        <a:font script="Hant" typeface="新細明體"/>
+        <a:font script="Arab" typeface="Times New Roman"/>
+        <a:font script="Hebr" typeface="Times New Roman"/>
+        <a:font script="Thai" typeface="Angsana New"/>
+        <a:font script="Ethi" typeface="Nyala"/>
+        <a:font script="Beng" typeface="Vrinda"/>
+        <a:font script="Gujr" typeface="Shruti"/>
+        <a:font script="Khmr" typeface="MoolBoran"/>
+        <a:font script="Knda" typeface="Tunga"/>
+        <a:font script="Guru" typeface="Raavi"/>
+        <a:font script="Cans" typeface="Euphemia"/>
+        <a:font script="Cher" typeface="Plantagenet Cherokee"/>
+        <a:font script="Yiii" typeface="Microsoft Yi Baiti"/>
+        <a:font script="Tibt" typeface="Microsoft Himalaya"/>
+        <a:font script="Thaa" typeface="MV Boli"/>
+        <a:font script="Deva" typeface="Mangal"/>
+        <a:font script="Telu" typeface="Gautami"/>
+        <a:font script="Taml" typeface="Latha"/>
+        <a:font script="Syrc" typeface="Estrangelo Edessa"/>
+        <a:font script="Orya" typeface="Kalinga"/>
+        <a:font script="Mlym" typeface="Kartika"/>
+        <a:font script="Laoo" typeface="DokChampa"/>
+        <a:font script="Sinh" typeface="Iskoola Pota"/>
+        <a:font script="Mong" typeface="Mongolian Baiti"/>
+        <a:font script="Viet" typeface="Times New Roman"/>
+        <a:font script="Uigh" typeface="Microsoft Uighur"/>
+        <a:font script="Geor" typeface="Sylfaen"/>
+      </a:majorFont>
+      <a:minorFont>
+        <a:latin typeface="Calibri"/>
+        <a:ea typeface=""/>
+        <a:cs typeface=""/>
+        <a:font script="Jpan" typeface="ＭＳ Ｐゴシック"/>
+        <a:font script="Hang" typeface="맑은 고딕"/>
+        <a:font script="Hans" typeface="宋体"/>
+        <a:font script="Hant" typeface="新細明體"/>
+        <a:font script="Arab" typeface="Arial"/>
+        <a:font script="Hebr" typeface="Arial"/>
+        <a:font script="Thai" typeface="Cordia New"/>
+        <a:font script="Ethi" typeface="Nyala"/>
+        <a:font script="Beng" typeface="Vrinda"/>
+        <a:font script="Gujr" typeface="Shruti"/>
+        <a:font script="Khmr" typeface="DaunPenh"/>
+        <a:font script="Knda" typeface="Tunga"/>
+        <a:font script="Guru" typeface="Raavi"/>
+        <a:font script="Cans" typeface="Euphemia"/>
+        <a:font script="Cher" typeface="Plantagenet Cherokee"/>
+        <a:font script="Yiii" typeface="Microsoft Yi Baiti"/>
+        <a:font script="Tibt" typeface="Microsoft Himalaya"/>
+        <a:font script="Thaa" typeface="MV Boli"/>
+        <a:font script="Deva" typeface="Mangal"/>
+        <a:font script="Telu" typeface="Gautami"/>
+        <a:font script="Taml" typeface="Latha"/>
+        <a:font script="Syrc" typeface="Estrangelo Edessa"/>
+        <a:font script="Orya" typeface="Kalinga"/>
+        <a:font script="Mlym" typeface="Kartika"/>
+        <a:font script="Laoo" typeface="DokChampa"/>
+        <a:font script="Sinh" typeface="Iskoola Pota"/>
+        <a:font script="Mong" typeface="Mongolian Baiti"/>
+        <a:font script="Viet" typeface="Arial"/>
+        <a:font script="Uigh" typeface="Microsoft Uighur"/>
+        <a:font script="Geor" typeface="Sylfaen"/>
+      </a:minorFont>
+    </a:fontScheme>
+    <a:fmtScheme name="Office">
+      <a:fillStyleLst>
+        <a:solidFill>
+          <a:schemeClr val="phClr"/>
+        </a:solidFill>
+        <a:gradFill rotWithShape="1">
+          <a:gsLst>
+            <a:gs pos="0">
+              <a:schemeClr val="phClr">
+                <a:tint val="50000"/>
+                <a:satMod val="300000"/>
+              </a:schemeClr>
+            </a:gs>
+            <a:gs pos="35000">
+              <a:schemeClr val="phClr">
+                <a:tint val="37000"/>
+                <a:satMod val="300000"/>
+              </a:schemeClr>
+            </a:gs>
+            <a:gs pos="100000">
+              <a:schemeClr val="phClr">
+                <a:tint val="15000"/>
+                <a:satMod val="350000"/>
+              </a:schemeClr>
+            </a:gs>
+          </a:gsLst>
+          <a:lin ang="16200000" scaled="1"/>
+        </a:gradFill>
+        <a:gradFill rotWithShape="1">
+          <a:gsLst>
+            <a:gs pos="0">
+              <a:schemeClr val="phClr">
+                <a:shade val="51000"/>
+                <a:satMod val="130000"/>
+              </a:schemeClr>
+            </a:gs>
+            <a:gs pos="80000">
+              <a:schemeClr val="phClr">
+                <a:shade val="93000"/>
+                <a:satMod val="130000"/>
+              </a:schemeClr>
+            </a:gs>
+            <a:gs pos="100000">
+              <a:schemeClr val="phClr">
+                <a:shade val="94000"/>
+                <a:satMod val="135000"/>
+              </a:schemeClr>
+            </a:gs>
+          </a:gsLst>
+          <a:lin ang="16200000" scaled="0"/>
+        </a:gradFill>
+      </a:fillStyleLst>
+      <a:lnStyleLst>
+        <a:ln w="9525" cap="flat" cmpd="sng" algn="ctr">
+          <a:solidFill>
+            <a:schemeClr val="phClr">
+              <a:shade val="95000"/>
+              <a:satMod val="105000"/>
+            </a:schemeClr>
+          </a:solidFill>
+          <a:prstDash val="solid"/>
+        </a:ln>
+        <a:ln w="25400" cap="flat" cmpd="sng" algn="ctr">
+          <a:solidFill>
+            <a:schemeClr val="phClr"/>
+          </a:solidFill>
+          <a:prstDash val="solid"/>
+        </a:ln>
+        <a:ln w="38100" cap="flat" cmpd="sng" algn="ctr">
+          <a:solidFill>
+            <a:schemeClr val="phClr"/>
+          </a:solidFill>
+          <a:prstDash val="solid"/>
+        </a:ln>
+      </a:lnStyleLst>
+      <a:effectStyleLst>
+        <a:effectStyle>
+          <a:effectLst>
+            <a:outerShdw blurRad="40000" dist="20000" dir="5400000" rotWithShape="0">
+              <a:srgbClr val="000000">
+                <a:alpha val="38000"/>
+              </a:srgbClr>
+            </a:outerShdw>
+          </a:effectLst>
+        </a:effectStyle>
+        <a:effectStyle>
+          <a:effectLst>
+            <a:outerShdw blurRad="40000" dist="23000" dir="5400000" rotWithShape="0">
+              <a:srgbClr val="000000">
+                <a:alpha val="35000"/>
+              </a:srgbClr>
+            </a:outerShdw>
+          </a:effectLst>
+        </a:effectStyle>
+        <a:effectStyle>
+          <a:effectLst>
+            <a:outerShdw blurRad="40000" dist="23000" dir="5400000" rotWithShape="0">
+              <a:srgbClr val="000000">
+                <a:alpha val="35000"/>
+              </a:srgbClr>
+            </a:outerShdw>
+          </a:effectLst>
+          <a:scene3d>
+            <a:camera prst="orthographicFront">
+              <a:rot lat="0" lon="0" rev="0"/>
+            </a:camera>
+            <a:lightRig rig="threePt" dir="t">
+              <a:rot lat="0" lon="0" rev="1200000"/>
+            </a:lightRig>
+          </a:scene3d>
+          <a:sp3d>
+            <a:bevelT w="63500" h="25400"/>
+          </a:sp3d>
+        </a:effectStyle>
+      </a:effectStyleLst>
+      <a:bgFillStyleLst>
+        <a:solidFill>
+          <a:schemeClr val="phClr"/>
+        </a:solidFill>
+        <a:gradFill rotWithShape="1">
+          <a:gsLst>
+            <a:gs pos="0">
+              <a:schemeClr val="phClr">
+                <a:tint val="40000"/>
+                <a:satMod val="350000"/>
+              </a:schemeClr>
+            </a:gs>
+            <a:gs pos="40000">
+              <a:schemeClr val="phClr">
+                <a:tint val="45000"/>
+                <a:shade val="99000"/>
+                <a:satMod val="350000"/>
+              </a:schemeClr>
+            </a:gs>
+            <a:gs pos="100000">
+              <a:schemeClr val="phClr">
+                <a:shade val="20000"/>
+                <a:satMod val="255000"/>
+              </a:schemeClr>
+            </a:gs>
+          </a:gsLst>
+          <a:path path="circle">
+            <a:fillToRect l="50000" t="-80000" r="50000" b="180000"/>
+          </a:path>
+        </a:gradFill>
+        <a:gradFill rotWithShape="1">
+          <a:gsLst>
+            <a:gs pos="0">
+              <a:schemeClr val="phClr">
+                <a:tint val="80000"/>
+                <a:satMod val="300000"/>
+              </a:schemeClr>
+            </a:gs>
+            <a:gs pos="100000">
+              <a:schemeClr val="phClr">
+                <a:shade val="30000"/>
+                <a:satMod val="200000"/>
+              </a:schemeClr>
+            </a:gs>
+          </a:gsLst>
+          <a:path path="circle">
+            <a:fillToRect l="50000" t="50000" r="50000" b="50000"/>
+          </a:path>
+        </a:gradFill>
+      </a:bgFillStyleLst>
+    </a:fmtScheme>
+  </a:themeElements>
+  <a:objectDefaults/>
+  <a:extraClrSchemeLst/>
+</a:theme>
 </file>